--- a/wiki.pptx
+++ b/wiki.pptx
@@ -12,7 +12,10 @@
     <p:sldId id="261" r:id="rId6"/>
     <p:sldId id="262" r:id="rId7"/>
     <p:sldId id="263" r:id="rId8"/>
-    <p:sldId id="259" r:id="rId9"/>
+    <p:sldId id="264" r:id="rId9"/>
+    <p:sldId id="265" r:id="rId10"/>
+    <p:sldId id="266" r:id="rId11"/>
+    <p:sldId id="259" r:id="rId12"/>
   </p:sldIdLst>
   <p:sldSz cx="12192000" cy="6858000"/>
   <p:notesSz cx="6858000" cy="9144000"/>
@@ -135,10 +138,14 @@
         <p14:section name="保存" id="{4DEEE299-64E7-454A-87B3-B55734FE5BA7}">
           <p14:sldIdLst>
             <p14:sldId id="263"/>
+            <p14:sldId id="264"/>
           </p14:sldIdLst>
         </p14:section>
         <p14:section name="其他" id="{4DDE17D6-D9FA-485F-9AB5-5A1FCCCA1414}">
-          <p14:sldIdLst/>
+          <p14:sldIdLst>
+            <p14:sldId id="265"/>
+            <p14:sldId id="266"/>
+          </p14:sldIdLst>
         </p14:section>
         <p14:section name="开发者" id="{73BE0555-94B4-46D0-B43B-657ABC737110}">
           <p14:sldIdLst>
@@ -301,7 +308,7 @@
           <a:p>
             <a:fld id="{27A4A775-6F47-4C14-99DD-C74467393446}" type="datetimeFigureOut">
               <a:rPr lang="zh-CN" altLang="en-US" smtClean="0"/>
-              <a:t>2023/4/11</a:t>
+              <a:t>2023/4/12</a:t>
             </a:fld>
             <a:endParaRPr lang="zh-CN" altLang="en-US"/>
           </a:p>
@@ -499,7 +506,7 @@
           <a:p>
             <a:fld id="{27A4A775-6F47-4C14-99DD-C74467393446}" type="datetimeFigureOut">
               <a:rPr lang="zh-CN" altLang="en-US" smtClean="0"/>
-              <a:t>2023/4/11</a:t>
+              <a:t>2023/4/12</a:t>
             </a:fld>
             <a:endParaRPr lang="zh-CN" altLang="en-US"/>
           </a:p>
@@ -707,7 +714,7 @@
           <a:p>
             <a:fld id="{27A4A775-6F47-4C14-99DD-C74467393446}" type="datetimeFigureOut">
               <a:rPr lang="zh-CN" altLang="en-US" smtClean="0"/>
-              <a:t>2023/4/11</a:t>
+              <a:t>2023/4/12</a:t>
             </a:fld>
             <a:endParaRPr lang="zh-CN" altLang="en-US"/>
           </a:p>
@@ -905,7 +912,7 @@
           <a:p>
             <a:fld id="{27A4A775-6F47-4C14-99DD-C74467393446}" type="datetimeFigureOut">
               <a:rPr lang="zh-CN" altLang="en-US" smtClean="0"/>
-              <a:t>2023/4/11</a:t>
+              <a:t>2023/4/12</a:t>
             </a:fld>
             <a:endParaRPr lang="zh-CN" altLang="en-US"/>
           </a:p>
@@ -1180,7 +1187,7 @@
           <a:p>
             <a:fld id="{27A4A775-6F47-4C14-99DD-C74467393446}" type="datetimeFigureOut">
               <a:rPr lang="zh-CN" altLang="en-US" smtClean="0"/>
-              <a:t>2023/4/11</a:t>
+              <a:t>2023/4/12</a:t>
             </a:fld>
             <a:endParaRPr lang="zh-CN" altLang="en-US"/>
           </a:p>
@@ -1445,7 +1452,7 @@
           <a:p>
             <a:fld id="{27A4A775-6F47-4C14-99DD-C74467393446}" type="datetimeFigureOut">
               <a:rPr lang="zh-CN" altLang="en-US" smtClean="0"/>
-              <a:t>2023/4/11</a:t>
+              <a:t>2023/4/12</a:t>
             </a:fld>
             <a:endParaRPr lang="zh-CN" altLang="en-US"/>
           </a:p>
@@ -1857,7 +1864,7 @@
           <a:p>
             <a:fld id="{27A4A775-6F47-4C14-99DD-C74467393446}" type="datetimeFigureOut">
               <a:rPr lang="zh-CN" altLang="en-US" smtClean="0"/>
-              <a:t>2023/4/11</a:t>
+              <a:t>2023/4/12</a:t>
             </a:fld>
             <a:endParaRPr lang="zh-CN" altLang="en-US"/>
           </a:p>
@@ -1998,7 +2005,7 @@
           <a:p>
             <a:fld id="{27A4A775-6F47-4C14-99DD-C74467393446}" type="datetimeFigureOut">
               <a:rPr lang="zh-CN" altLang="en-US" smtClean="0"/>
-              <a:t>2023/4/11</a:t>
+              <a:t>2023/4/12</a:t>
             </a:fld>
             <a:endParaRPr lang="zh-CN" altLang="en-US"/>
           </a:p>
@@ -2111,7 +2118,7 @@
           <a:p>
             <a:fld id="{27A4A775-6F47-4C14-99DD-C74467393446}" type="datetimeFigureOut">
               <a:rPr lang="zh-CN" altLang="en-US" smtClean="0"/>
-              <a:t>2023/4/11</a:t>
+              <a:t>2023/4/12</a:t>
             </a:fld>
             <a:endParaRPr lang="zh-CN" altLang="en-US"/>
           </a:p>
@@ -2422,7 +2429,7 @@
           <a:p>
             <a:fld id="{27A4A775-6F47-4C14-99DD-C74467393446}" type="datetimeFigureOut">
               <a:rPr lang="zh-CN" altLang="en-US" smtClean="0"/>
-              <a:t>2023/4/11</a:t>
+              <a:t>2023/4/12</a:t>
             </a:fld>
             <a:endParaRPr lang="zh-CN" altLang="en-US"/>
           </a:p>
@@ -2710,7 +2717,7 @@
           <a:p>
             <a:fld id="{27A4A775-6F47-4C14-99DD-C74467393446}" type="datetimeFigureOut">
               <a:rPr lang="zh-CN" altLang="en-US" smtClean="0"/>
-              <a:t>2023/4/11</a:t>
+              <a:t>2023/4/12</a:t>
             </a:fld>
             <a:endParaRPr lang="zh-CN" altLang="en-US"/>
           </a:p>
@@ -2951,7 +2958,7 @@
           <a:p>
             <a:fld id="{27A4A775-6F47-4C14-99DD-C74467393446}" type="datetimeFigureOut">
               <a:rPr lang="zh-CN" altLang="en-US" smtClean="0"/>
-              <a:t>2023/4/11</a:t>
+              <a:t>2023/4/12</a:t>
             </a:fld>
             <a:endParaRPr lang="zh-CN" altLang="en-US"/>
           </a:p>
@@ -3370,6 +3377,56 @@
       </p:grpSpPr>
       <p:sp>
         <p:nvSpPr>
+          <p:cNvPr id="18" name="矩形 17">
+            <a:hlinkClick r:id="rId2" action="ppaction://hlinksldjump"/>
+            <a:extLst>
+              <a:ext uri="{FF2B5EF4-FFF2-40B4-BE49-F238E27FC236}">
+                <a16:creationId xmlns:a16="http://schemas.microsoft.com/office/drawing/2014/main" id="{A6D90D87-CBE3-539D-32EC-CE87001CFCE3}"/>
+              </a:ext>
+            </a:extLst>
+          </p:cNvPr>
+          <p:cNvSpPr/>
+          <p:nvPr/>
+        </p:nvSpPr>
+        <p:spPr>
+          <a:xfrm>
+            <a:off x="3281999" y="3749675"/>
+            <a:ext cx="568325" cy="177418"/>
+          </a:xfrm>
+          <a:prstGeom prst="rect">
+            <a:avLst/>
+          </a:prstGeom>
+        </p:spPr>
+        <p:style>
+          <a:lnRef idx="2">
+            <a:schemeClr val="accent4">
+              <a:shade val="50000"/>
+            </a:schemeClr>
+          </a:lnRef>
+          <a:fillRef idx="1">
+            <a:schemeClr val="accent4"/>
+          </a:fillRef>
+          <a:effectRef idx="0">
+            <a:schemeClr val="accent4"/>
+          </a:effectRef>
+          <a:fontRef idx="minor">
+            <a:schemeClr val="lt1"/>
+          </a:fontRef>
+        </p:style>
+        <p:txBody>
+          <a:bodyPr rtlCol="0" anchor="ctr"/>
+          <a:lstStyle/>
+          <a:p>
+            <a:pPr algn="ctr"/>
+            <a:r>
+              <a:rPr lang="zh-CN" altLang="en-US" sz="1200" dirty="0"/>
+              <a:t>版本</a:t>
+            </a:r>
+          </a:p>
+        </p:txBody>
+      </p:sp>
+      <p:sp>
+        <p:nvSpPr>
           <p:cNvPr id="4" name="椭圆 3">
             <a:extLst>
               <a:ext uri="{FF2B5EF4-FFF2-40B4-BE49-F238E27FC236}">
@@ -3630,7 +3687,7 @@
       <p:sp>
         <p:nvSpPr>
           <p:cNvPr id="3" name="矩形 2">
-            <a:hlinkClick r:id="rId2" action="ppaction://hlinksldjump"/>
+            <a:hlinkClick r:id="rId3" action="ppaction://hlinksldjump"/>
             <a:extLst>
               <a:ext uri="{FF2B5EF4-FFF2-40B4-BE49-F238E27FC236}">
                 <a16:creationId xmlns:a16="http://schemas.microsoft.com/office/drawing/2014/main" id="{72F6DECD-5594-A952-5066-FA02F7C28B17}"/>
@@ -3680,7 +3737,7 @@
       <p:sp>
         <p:nvSpPr>
           <p:cNvPr id="8" name="矩形 7">
-            <a:hlinkClick r:id="rId3" action="ppaction://hlinksldjump"/>
+            <a:hlinkClick r:id="rId4" action="ppaction://hlinksldjump"/>
             <a:extLst>
               <a:ext uri="{FF2B5EF4-FFF2-40B4-BE49-F238E27FC236}">
                 <a16:creationId xmlns:a16="http://schemas.microsoft.com/office/drawing/2014/main" id="{60FF8F61-ED38-09D1-8E65-95D1D0688D8E}"/>
@@ -3730,7 +3787,7 @@
       <p:sp>
         <p:nvSpPr>
           <p:cNvPr id="11" name="矩形 10">
-            <a:hlinkClick r:id="rId4" action="ppaction://hlinksldjump"/>
+            <a:hlinkClick r:id="rId5" action="ppaction://hlinksldjump"/>
             <a:extLst>
               <a:ext uri="{FF2B5EF4-FFF2-40B4-BE49-F238E27FC236}">
                 <a16:creationId xmlns:a16="http://schemas.microsoft.com/office/drawing/2014/main" id="{4A8A787F-54ED-8722-F3FA-10DFE917F9DC}"/>
@@ -3780,6 +3837,7 @@
       <p:sp>
         <p:nvSpPr>
           <p:cNvPr id="12" name="矩形 11">
+            <a:hlinkClick r:id="rId6" action="ppaction://hlinksldjump"/>
             <a:extLst>
               <a:ext uri="{FF2B5EF4-FFF2-40B4-BE49-F238E27FC236}">
                 <a16:creationId xmlns:a16="http://schemas.microsoft.com/office/drawing/2014/main" id="{D07EFB81-B8A6-B1D4-0586-488DD3F17F57}"/>
@@ -3823,26 +3881,13 @@
               <a:rPr lang="zh-CN" altLang="en-US" sz="1200" dirty="0"/>
               <a:t>密匙</a:t>
             </a:r>
-            <a:r>
-              <a:rPr lang="zh-CN" altLang="en-US" sz="1200" dirty="0">
-                <a:hlinkClick r:id="rId5" action="ppaction://hlinksldjump"/>
-              </a:rPr>
-              <a:t>幻灯片 </a:t>
-            </a:r>
-            <a:r>
-              <a:rPr lang="en-US" altLang="zh-CN" sz="1200" dirty="0">
-                <a:hlinkClick r:id="rId5" action="ppaction://hlinksldjump"/>
-              </a:rPr>
-              <a:t>6</a:t>
-            </a:r>
-            <a:endParaRPr lang="zh-CN" altLang="en-US" sz="1200" dirty="0"/>
           </a:p>
         </p:txBody>
       </p:sp>
       <p:sp>
         <p:nvSpPr>
           <p:cNvPr id="13" name="矩形 12">
-            <a:hlinkClick r:id="rId6" action="ppaction://hlinksldjump"/>
+            <a:hlinkClick r:id="rId7" action="ppaction://hlinksldjump"/>
             <a:extLst>
               <a:ext uri="{FF2B5EF4-FFF2-40B4-BE49-F238E27FC236}">
                 <a16:creationId xmlns:a16="http://schemas.microsoft.com/office/drawing/2014/main" id="{9943BDA4-0699-BF21-DF73-B5EF9DCC8711}"/>
@@ -3892,6 +3937,7 @@
       <p:sp>
         <p:nvSpPr>
           <p:cNvPr id="14" name="矩形 13">
+            <a:hlinkClick r:id="rId8" action="ppaction://hlinksldjump"/>
             <a:extLst>
               <a:ext uri="{FF2B5EF4-FFF2-40B4-BE49-F238E27FC236}">
                 <a16:creationId xmlns:a16="http://schemas.microsoft.com/office/drawing/2014/main" id="{1CC473BD-046A-3594-261F-6F2593386317}"/>
@@ -3941,7 +3987,7 @@
       <p:sp>
         <p:nvSpPr>
           <p:cNvPr id="15" name="矩形 14">
-            <a:hlinkClick r:id="rId7" action="ppaction://hlinksldjump"/>
+            <a:hlinkClick r:id="rId9" action="ppaction://hlinksldjump"/>
             <a:extLst>
               <a:ext uri="{FF2B5EF4-FFF2-40B4-BE49-F238E27FC236}">
                 <a16:creationId xmlns:a16="http://schemas.microsoft.com/office/drawing/2014/main" id="{2080D935-0A2D-9DDF-70CC-962FF0124A5F}"/>
@@ -3991,6 +4037,7 @@
       <p:sp>
         <p:nvSpPr>
           <p:cNvPr id="16" name="矩形 15">
+            <a:hlinkClick r:id="rId10" action="ppaction://hlinksldjump"/>
             <a:extLst>
               <a:ext uri="{FF2B5EF4-FFF2-40B4-BE49-F238E27FC236}">
                 <a16:creationId xmlns:a16="http://schemas.microsoft.com/office/drawing/2014/main" id="{01358CF3-25A4-9F9E-DB68-129476C6B1ED}"/>
@@ -4082,55 +4129,6 @@
             <a:r>
               <a:rPr lang="zh-CN" altLang="en-US" sz="1200" dirty="0"/>
               <a:t>高级</a:t>
-            </a:r>
-          </a:p>
-        </p:txBody>
-      </p:sp>
-      <p:sp>
-        <p:nvSpPr>
-          <p:cNvPr id="18" name="矩形 17">
-            <a:extLst>
-              <a:ext uri="{FF2B5EF4-FFF2-40B4-BE49-F238E27FC236}">
-                <a16:creationId xmlns:a16="http://schemas.microsoft.com/office/drawing/2014/main" id="{A6D90D87-CBE3-539D-32EC-CE87001CFCE3}"/>
-              </a:ext>
-            </a:extLst>
-          </p:cNvPr>
-          <p:cNvSpPr/>
-          <p:nvPr/>
-        </p:nvSpPr>
-        <p:spPr>
-          <a:xfrm>
-            <a:off x="3281999" y="3749675"/>
-            <a:ext cx="568325" cy="177418"/>
-          </a:xfrm>
-          <a:prstGeom prst="rect">
-            <a:avLst/>
-          </a:prstGeom>
-        </p:spPr>
-        <p:style>
-          <a:lnRef idx="2">
-            <a:schemeClr val="accent4">
-              <a:shade val="50000"/>
-            </a:schemeClr>
-          </a:lnRef>
-          <a:fillRef idx="1">
-            <a:schemeClr val="accent4"/>
-          </a:fillRef>
-          <a:effectRef idx="0">
-            <a:schemeClr val="accent4"/>
-          </a:effectRef>
-          <a:fontRef idx="minor">
-            <a:schemeClr val="lt1"/>
-          </a:fontRef>
-        </p:style>
-        <p:txBody>
-          <a:bodyPr rtlCol="0" anchor="ctr"/>
-          <a:lstStyle/>
-          <a:p>
-            <a:pPr algn="ctr"/>
-            <a:r>
-              <a:rPr lang="zh-CN" altLang="en-US" sz="1200" dirty="0"/>
-              <a:t>版本</a:t>
             </a:r>
           </a:p>
         </p:txBody>
@@ -5037,7 +5035,7 @@
       <p:sp>
         <p:nvSpPr>
           <p:cNvPr id="71" name="文本框 70">
-            <a:hlinkClick r:id="rId8" action="ppaction://hlinksldjump"/>
+            <a:hlinkClick r:id="rId11" action="ppaction://hlinksldjump"/>
             <a:extLst>
               <a:ext uri="{FF2B5EF4-FFF2-40B4-BE49-F238E27FC236}">
                 <a16:creationId xmlns:a16="http://schemas.microsoft.com/office/drawing/2014/main" id="{833B1726-6C17-5241-5B4C-2C4D9D5B1ED4}"/>
@@ -5130,13 +5128,13 @@
   <p:clrMapOvr>
     <a:masterClrMapping/>
   </p:clrMapOvr>
-  <mc:AlternateContent xmlns:mc="http://schemas.openxmlformats.org/markup-compatibility/2006">
-    <mc:Choice xmlns:p159="http://schemas.microsoft.com/office/powerpoint/2015/09/main" Requires="p159">
+  <mc:AlternateContent xmlns:mc="http://schemas.openxmlformats.org/markup-compatibility/2006" xmlns:p159="http://schemas.microsoft.com/office/powerpoint/2015/09/main">
+    <mc:Choice Requires="p159">
       <p:transition spd="slow" advClick="0">
         <p159:morph option="byObject"/>
       </p:transition>
     </mc:Choice>
-    <mc:Fallback>
+    <mc:Fallback xmlns="">
       <p:transition spd="slow" advClick="0">
         <p:fade/>
       </p:transition>
@@ -5145,7 +5143,7 @@
 </p:sld>
 </file>
 
-<file path=ppt/slides/slide2.xml><?xml version="1.0" encoding="utf-8"?>
+<file path=ppt/slides/slide10.xml><?xml version="1.0" encoding="utf-8"?>
 <p:sld xmlns:a="http://schemas.openxmlformats.org/drawingml/2006/main" xmlns:r="http://schemas.openxmlformats.org/officeDocument/2006/relationships" xmlns:p="http://schemas.openxmlformats.org/presentationml/2006/main">
   <p:cSld>
     <p:spTree>
@@ -5206,7 +5204,7 @@
             <a:pPr algn="ctr"/>
             <a:r>
               <a:rPr lang="zh-CN" altLang="en-US" sz="1200" dirty="0"/>
-              <a:t>创建</a:t>
+              <a:t>版本</a:t>
             </a:r>
           </a:p>
         </p:txBody>
@@ -5398,6 +5396,757 @@
         <p:spPr>
           <a:xfrm>
             <a:off x="841374" y="1828800"/>
+            <a:ext cx="10509250" cy="954107"/>
+          </a:xfrm>
+          <a:prstGeom prst="rect">
+            <a:avLst/>
+          </a:prstGeom>
+          <a:noFill/>
+        </p:spPr>
+        <p:txBody>
+          <a:bodyPr wrap="square" rtlCol="0">
+            <a:spAutoFit/>
+          </a:bodyPr>
+          <a:lstStyle/>
+          <a:p>
+            <a:pPr marL="285750" indent="-285750">
+              <a:buFont typeface="Arial" panose="020B0604020202020204" pitchFamily="34" charset="0"/>
+              <a:buChar char="•"/>
+            </a:pPr>
+            <a:r>
+              <a:rPr lang="zh-CN" altLang="en-US" sz="1400" b="1" dirty="0"/>
+              <a:t>列出该程序的版本信息</a:t>
+            </a:r>
+            <a:endParaRPr lang="en-US" altLang="zh-CN" sz="1400" b="1" dirty="0"/>
+          </a:p>
+          <a:p>
+            <a:pPr marL="285750" indent="-285750">
+              <a:buFont typeface="Arial" panose="020B0604020202020204" pitchFamily="34" charset="0"/>
+              <a:buChar char="•"/>
+            </a:pPr>
+            <a:r>
+              <a:rPr lang="zh-CN" altLang="en-US" sz="1400" b="1" dirty="0"/>
+              <a:t>代码流程（</a:t>
+            </a:r>
+            <a:r>
+              <a:rPr lang="en-US" altLang="zh-CN" sz="1400" b="1" dirty="0"/>
+              <a:t>474~477</a:t>
+            </a:r>
+            <a:r>
+              <a:rPr lang="zh-CN" altLang="en-US" sz="1400" b="1" dirty="0"/>
+              <a:t>）</a:t>
+            </a:r>
+            <a:endParaRPr lang="en-US" altLang="zh-CN" sz="1400" b="1" dirty="0"/>
+          </a:p>
+          <a:p>
+            <a:pPr marL="742950" lvl="1" indent="-285750">
+              <a:buFont typeface="Arial" panose="020B0604020202020204" pitchFamily="34" charset="0"/>
+              <a:buChar char="•"/>
+            </a:pPr>
+            <a:r>
+              <a:rPr lang="zh-CN" altLang="en-US" sz="1400" dirty="0"/>
+              <a:t>通过程序内的版本信息表列出信息</a:t>
+            </a:r>
+            <a:endParaRPr lang="en-US" altLang="zh-CN" sz="1400" dirty="0"/>
+          </a:p>
+          <a:p>
+            <a:pPr marL="742950" lvl="1" indent="-285750">
+              <a:buFont typeface="Arial" panose="020B0604020202020204" pitchFamily="34" charset="0"/>
+              <a:buChar char="•"/>
+            </a:pPr>
+            <a:r>
+              <a:rPr lang="zh-CN" altLang="en-US" sz="1400" dirty="0"/>
+              <a:t>信息表位置（</a:t>
+            </a:r>
+            <a:r>
+              <a:rPr lang="en-US" altLang="zh-CN" sz="1400" dirty="0"/>
+              <a:t>11~14</a:t>
+            </a:r>
+            <a:r>
+              <a:rPr lang="zh-CN" altLang="en-US" sz="1400" dirty="0"/>
+              <a:t>）</a:t>
+            </a:r>
+            <a:endParaRPr lang="en-US" altLang="zh-CN" sz="1400" dirty="0"/>
+          </a:p>
+        </p:txBody>
+      </p:sp>
+      <p:sp>
+        <p:nvSpPr>
+          <p:cNvPr id="20" name="矩形 19">
+            <a:extLst>
+              <a:ext uri="{FF2B5EF4-FFF2-40B4-BE49-F238E27FC236}">
+                <a16:creationId xmlns:a16="http://schemas.microsoft.com/office/drawing/2014/main" id="{CC7E14C9-52F1-A297-AF9D-119CE1CFCFB0}"/>
+              </a:ext>
+            </a:extLst>
+          </p:cNvPr>
+          <p:cNvSpPr/>
+          <p:nvPr/>
+        </p:nvSpPr>
+        <p:spPr>
+          <a:xfrm>
+            <a:off x="4416425" y="1188718"/>
+            <a:ext cx="1136650" cy="262128"/>
+          </a:xfrm>
+          <a:prstGeom prst="rect">
+            <a:avLst/>
+          </a:prstGeom>
+        </p:spPr>
+        <p:style>
+          <a:lnRef idx="2">
+            <a:schemeClr val="accent5">
+              <a:shade val="50000"/>
+            </a:schemeClr>
+          </a:lnRef>
+          <a:fillRef idx="1">
+            <a:schemeClr val="accent5"/>
+          </a:fillRef>
+          <a:effectRef idx="0">
+            <a:schemeClr val="accent5"/>
+          </a:effectRef>
+          <a:fontRef idx="minor">
+            <a:schemeClr val="lt1"/>
+          </a:fontRef>
+        </p:style>
+        <p:txBody>
+          <a:bodyPr rtlCol="0" anchor="ctr"/>
+          <a:lstStyle/>
+          <a:p>
+            <a:pPr algn="ctr"/>
+            <a:r>
+              <a:rPr lang="zh-CN" altLang="en-US" dirty="0"/>
+              <a:t>其他</a:t>
+            </a:r>
+          </a:p>
+        </p:txBody>
+      </p:sp>
+      <p:cxnSp>
+        <p:nvCxnSpPr>
+          <p:cNvPr id="22" name="直接连接符 21">
+            <a:extLst>
+              <a:ext uri="{FF2B5EF4-FFF2-40B4-BE49-F238E27FC236}">
+                <a16:creationId xmlns:a16="http://schemas.microsoft.com/office/drawing/2014/main" id="{DB530F08-7667-6B46-E5DC-66C6671AD8C1}"/>
+              </a:ext>
+            </a:extLst>
+          </p:cNvPr>
+          <p:cNvCxnSpPr>
+            <a:stCxn id="20" idx="3"/>
+            <a:endCxn id="3" idx="1"/>
+          </p:cNvCxnSpPr>
+          <p:nvPr/>
+        </p:nvCxnSpPr>
+        <p:spPr>
+          <a:xfrm flipV="1">
+            <a:off x="5553075" y="1315143"/>
+            <a:ext cx="258761" cy="4639"/>
+          </a:xfrm>
+          <a:prstGeom prst="line">
+            <a:avLst/>
+          </a:prstGeom>
+        </p:spPr>
+        <p:style>
+          <a:lnRef idx="1">
+            <a:schemeClr val="accent5"/>
+          </a:lnRef>
+          <a:fillRef idx="0">
+            <a:schemeClr val="accent5"/>
+          </a:fillRef>
+          <a:effectRef idx="0">
+            <a:schemeClr val="accent5"/>
+          </a:effectRef>
+          <a:fontRef idx="minor">
+            <a:schemeClr val="tx1"/>
+          </a:fontRef>
+        </p:style>
+      </p:cxnSp>
+    </p:spTree>
+    <p:extLst>
+      <p:ext uri="{BB962C8B-B14F-4D97-AF65-F5344CB8AC3E}">
+        <p14:creationId xmlns:p14="http://schemas.microsoft.com/office/powerpoint/2010/main" val="191995210"/>
+      </p:ext>
+    </p:extLst>
+  </p:cSld>
+  <p:clrMapOvr>
+    <a:masterClrMapping/>
+  </p:clrMapOvr>
+  <mc:AlternateContent xmlns:mc="http://schemas.openxmlformats.org/markup-compatibility/2006" xmlns:p159="http://schemas.microsoft.com/office/powerpoint/2015/09/main">
+    <mc:Choice Requires="p159">
+      <p:transition spd="slow" advClick="0">
+        <p159:morph option="byObject"/>
+      </p:transition>
+    </mc:Choice>
+    <mc:Fallback xmlns="">
+      <p:transition spd="slow" advClick="0">
+        <p:fade/>
+      </p:transition>
+    </mc:Fallback>
+  </mc:AlternateContent>
+</p:sld>
+</file>
+
+<file path=ppt/slides/slide11.xml><?xml version="1.0" encoding="utf-8"?>
+<p:sld xmlns:a="http://schemas.openxmlformats.org/drawingml/2006/main" xmlns:r="http://schemas.openxmlformats.org/officeDocument/2006/relationships" xmlns:p="http://schemas.openxmlformats.org/presentationml/2006/main">
+  <p:cSld>
+    <p:spTree>
+      <p:nvGrpSpPr>
+        <p:cNvPr id="1" name=""/>
+        <p:cNvGrpSpPr/>
+        <p:nvPr/>
+      </p:nvGrpSpPr>
+      <p:grpSpPr>
+        <a:xfrm>
+          <a:off x="0" y="0"/>
+          <a:ext cx="0" cy="0"/>
+          <a:chOff x="0" y="0"/>
+          <a:chExt cx="0" cy="0"/>
+        </a:xfrm>
+      </p:grpSpPr>
+      <p:sp>
+        <p:nvSpPr>
+          <p:cNvPr id="2" name="文本框 1">
+            <a:hlinkClick r:id="rId2" action="ppaction://hlinksldjump"/>
+            <a:extLst>
+              <a:ext uri="{FF2B5EF4-FFF2-40B4-BE49-F238E27FC236}">
+                <a16:creationId xmlns:a16="http://schemas.microsoft.com/office/drawing/2014/main" id="{CA3E63E3-E2AD-A2AB-A7EC-807835B81CAA}"/>
+              </a:ext>
+            </a:extLst>
+          </p:cNvPr>
+          <p:cNvSpPr txBox="1"/>
+          <p:nvPr/>
+        </p:nvSpPr>
+        <p:spPr>
+          <a:xfrm>
+            <a:off x="3311967" y="430381"/>
+            <a:ext cx="5138167" cy="461665"/>
+          </a:xfrm>
+          <a:prstGeom prst="rect">
+            <a:avLst/>
+          </a:prstGeom>
+          <a:noFill/>
+        </p:spPr>
+        <p:txBody>
+          <a:bodyPr wrap="square" rtlCol="0">
+            <a:spAutoFit/>
+          </a:bodyPr>
+          <a:lstStyle/>
+          <a:p>
+            <a:pPr algn="ctr"/>
+            <a:r>
+              <a:rPr lang="en-US" altLang="zh-CN" sz="2400" dirty="0">
+                <a:ln w="0"/>
+                <a:gradFill>
+                  <a:gsLst>
+                    <a:gs pos="0">
+                      <a:schemeClr val="accent5">
+                        <a:lumMod val="50000"/>
+                      </a:schemeClr>
+                    </a:gs>
+                    <a:gs pos="50000">
+                      <a:schemeClr val="accent5"/>
+                    </a:gs>
+                    <a:gs pos="100000">
+                      <a:schemeClr val="accent5">
+                        <a:lumMod val="60000"/>
+                        <a:lumOff val="40000"/>
+                      </a:schemeClr>
+                    </a:gs>
+                  </a:gsLst>
+                  <a:lin ang="5400000"/>
+                </a:gradFill>
+                <a:effectLst>
+                  <a:reflection blurRad="6350" stA="53000" endA="300" endPos="35500" dir="5400000" sy="-90000" algn="bl" rotWithShape="0"/>
+                </a:effectLst>
+              </a:rPr>
+              <a:t>EazyFrpSetting WIKI PowerPoint</a:t>
+            </a:r>
+            <a:endParaRPr lang="zh-CN" altLang="en-US" sz="2400" dirty="0">
+              <a:ln w="0"/>
+              <a:gradFill>
+                <a:gsLst>
+                  <a:gs pos="0">
+                    <a:schemeClr val="accent5">
+                      <a:lumMod val="50000"/>
+                    </a:schemeClr>
+                  </a:gs>
+                  <a:gs pos="50000">
+                    <a:schemeClr val="accent5"/>
+                  </a:gs>
+                  <a:gs pos="100000">
+                    <a:schemeClr val="accent5">
+                      <a:lumMod val="60000"/>
+                      <a:lumOff val="40000"/>
+                    </a:schemeClr>
+                  </a:gs>
+                </a:gsLst>
+                <a:lin ang="5400000"/>
+              </a:gradFill>
+              <a:effectLst>
+                <a:reflection blurRad="6350" stA="53000" endA="300" endPos="35500" dir="5400000" sy="-90000" algn="bl" rotWithShape="0"/>
+              </a:effectLst>
+            </a:endParaRPr>
+          </a:p>
+        </p:txBody>
+      </p:sp>
+      <p:sp>
+        <p:nvSpPr>
+          <p:cNvPr id="3" name="文本框 2">
+            <a:extLst>
+              <a:ext uri="{FF2B5EF4-FFF2-40B4-BE49-F238E27FC236}">
+                <a16:creationId xmlns:a16="http://schemas.microsoft.com/office/drawing/2014/main" id="{2FFFEF37-6886-02F8-A02E-DDE2E6E55D64}"/>
+              </a:ext>
+            </a:extLst>
+          </p:cNvPr>
+          <p:cNvSpPr txBox="1"/>
+          <p:nvPr/>
+        </p:nvSpPr>
+        <p:spPr>
+          <a:xfrm>
+            <a:off x="6429883" y="890236"/>
+            <a:ext cx="1540638" cy="246221"/>
+          </a:xfrm>
+          <a:prstGeom prst="rect">
+            <a:avLst/>
+          </a:prstGeom>
+          <a:noFill/>
+        </p:spPr>
+        <p:txBody>
+          <a:bodyPr wrap="square" rtlCol="0">
+            <a:spAutoFit/>
+          </a:bodyPr>
+          <a:lstStyle/>
+          <a:p>
+            <a:pPr algn="r"/>
+            <a:r>
+              <a:rPr lang="en-US" altLang="zh-CN" sz="1000" dirty="0">
+                <a:ln w="0"/>
+                <a:gradFill>
+                  <a:gsLst>
+                    <a:gs pos="0">
+                      <a:schemeClr val="accent5">
+                        <a:lumMod val="50000"/>
+                      </a:schemeClr>
+                    </a:gs>
+                    <a:gs pos="50000">
+                      <a:schemeClr val="accent5"/>
+                    </a:gs>
+                    <a:gs pos="100000">
+                      <a:schemeClr val="accent5">
+                        <a:lumMod val="60000"/>
+                        <a:lumOff val="40000"/>
+                      </a:schemeClr>
+                    </a:gs>
+                  </a:gsLst>
+                  <a:lin ang="5400000"/>
+                </a:gradFill>
+                <a:effectLst>
+                  <a:reflection blurRad="6350" stA="53000" endA="300" endPos="35500" dir="5400000" sy="-90000" algn="bl" rotWithShape="0"/>
+                </a:effectLst>
+              </a:rPr>
+              <a:t>Version-2 (v1.6_fix1)</a:t>
+            </a:r>
+            <a:endParaRPr lang="zh-CN" altLang="en-US" sz="1000" dirty="0">
+              <a:ln w="0"/>
+              <a:gradFill>
+                <a:gsLst>
+                  <a:gs pos="0">
+                    <a:schemeClr val="accent5">
+                      <a:lumMod val="50000"/>
+                    </a:schemeClr>
+                  </a:gs>
+                  <a:gs pos="50000">
+                    <a:schemeClr val="accent5"/>
+                  </a:gs>
+                  <a:gs pos="100000">
+                    <a:schemeClr val="accent5">
+                      <a:lumMod val="60000"/>
+                      <a:lumOff val="40000"/>
+                    </a:schemeClr>
+                  </a:gs>
+                </a:gsLst>
+                <a:lin ang="5400000"/>
+              </a:gradFill>
+              <a:effectLst>
+                <a:reflection blurRad="6350" stA="53000" endA="300" endPos="35500" dir="5400000" sy="-90000" algn="bl" rotWithShape="0"/>
+              </a:effectLst>
+            </a:endParaRPr>
+          </a:p>
+        </p:txBody>
+      </p:sp>
+      <p:sp>
+        <p:nvSpPr>
+          <p:cNvPr id="4" name="文本框 3">
+            <a:extLst>
+              <a:ext uri="{FF2B5EF4-FFF2-40B4-BE49-F238E27FC236}">
+                <a16:creationId xmlns:a16="http://schemas.microsoft.com/office/drawing/2014/main" id="{B721AC2C-59E0-D35F-C72F-F66561577191}"/>
+              </a:ext>
+            </a:extLst>
+          </p:cNvPr>
+          <p:cNvSpPr txBox="1"/>
+          <p:nvPr/>
+        </p:nvSpPr>
+        <p:spPr>
+          <a:xfrm>
+            <a:off x="841374" y="1828800"/>
+            <a:ext cx="10509250" cy="2031325"/>
+          </a:xfrm>
+          <a:prstGeom prst="rect">
+            <a:avLst/>
+          </a:prstGeom>
+          <a:noFill/>
+        </p:spPr>
+        <p:txBody>
+          <a:bodyPr wrap="square" rtlCol="0">
+            <a:spAutoFit/>
+          </a:bodyPr>
+          <a:lstStyle/>
+          <a:p>
+            <a:r>
+              <a:rPr lang="zh-CN" altLang="en-US" sz="1400" dirty="0"/>
+              <a:t>依据版本</a:t>
+            </a:r>
+            <a:r>
+              <a:rPr lang="en-US" altLang="zh-CN" sz="1400" dirty="0"/>
+              <a:t>	Version2	(v1.6_fix1)</a:t>
+            </a:r>
+          </a:p>
+          <a:p>
+            <a:r>
+              <a:rPr lang="zh-CN" altLang="en-US" sz="1400" dirty="0"/>
+              <a:t>版本日期</a:t>
+            </a:r>
+            <a:r>
+              <a:rPr lang="en-US" altLang="zh-CN" sz="1400" dirty="0"/>
+              <a:t>	2023-4-4</a:t>
+            </a:r>
+          </a:p>
+          <a:p>
+            <a:r>
+              <a:rPr lang="en-US" altLang="zh-CN" sz="1400" dirty="0"/>
+              <a:t>Python	3.10</a:t>
+            </a:r>
+          </a:p>
+          <a:p>
+            <a:endParaRPr lang="en-US" altLang="zh-CN" sz="1400" dirty="0"/>
+          </a:p>
+          <a:p>
+            <a:r>
+              <a:rPr lang="en-US" altLang="zh-CN" sz="1400" dirty="0"/>
+              <a:t>WIKI</a:t>
+            </a:r>
+            <a:r>
+              <a:rPr lang="zh-CN" altLang="en-US" sz="1400" dirty="0"/>
+              <a:t>版本</a:t>
+            </a:r>
+            <a:r>
+              <a:rPr lang="en-US" altLang="zh-CN" sz="1400" dirty="0"/>
+              <a:t>	v0.2</a:t>
+            </a:r>
+          </a:p>
+          <a:p>
+            <a:r>
+              <a:rPr lang="zh-CN" altLang="en-US" sz="1400" dirty="0"/>
+              <a:t>更新日期</a:t>
+            </a:r>
+            <a:r>
+              <a:rPr lang="en-US" altLang="zh-CN" sz="1400" dirty="0"/>
+              <a:t>	2023-4-12</a:t>
+            </a:r>
+          </a:p>
+          <a:p>
+            <a:endParaRPr lang="en-US" altLang="zh-CN" sz="1400" dirty="0"/>
+          </a:p>
+          <a:p>
+            <a:endParaRPr lang="en-US" altLang="zh-CN" sz="1400" dirty="0"/>
+          </a:p>
+          <a:p>
+            <a:r>
+              <a:rPr lang="zh-CN" altLang="en-US" sz="1400" dirty="0"/>
+              <a:t>贡献者</a:t>
+            </a:r>
+            <a:r>
+              <a:rPr lang="en-US" altLang="zh-CN" sz="1400" dirty="0"/>
+              <a:t>	LyceenAiro</a:t>
+            </a:r>
+          </a:p>
+        </p:txBody>
+      </p:sp>
+    </p:spTree>
+    <p:extLst>
+      <p:ext uri="{BB962C8B-B14F-4D97-AF65-F5344CB8AC3E}">
+        <p14:creationId xmlns:p14="http://schemas.microsoft.com/office/powerpoint/2010/main" val="3660631818"/>
+      </p:ext>
+    </p:extLst>
+  </p:cSld>
+  <p:clrMapOvr>
+    <a:masterClrMapping/>
+  </p:clrMapOvr>
+  <mc:AlternateContent xmlns:mc="http://schemas.openxmlformats.org/markup-compatibility/2006" xmlns:p159="http://schemas.microsoft.com/office/powerpoint/2015/09/main">
+    <mc:Choice Requires="p159">
+      <p:transition xmlns:p14="http://schemas.microsoft.com/office/powerpoint/2010/main" spd="slow" p14:dur="2000">
+        <p159:morph option="byObject"/>
+      </p:transition>
+    </mc:Choice>
+    <mc:Fallback xmlns="">
+      <p:transition spd="slow">
+        <p:fade/>
+      </p:transition>
+    </mc:Fallback>
+  </mc:AlternateContent>
+</p:sld>
+</file>
+
+<file path=ppt/slides/slide2.xml><?xml version="1.0" encoding="utf-8"?>
+<p:sld xmlns:a="http://schemas.openxmlformats.org/drawingml/2006/main" xmlns:r="http://schemas.openxmlformats.org/officeDocument/2006/relationships" xmlns:p="http://schemas.openxmlformats.org/presentationml/2006/main">
+  <p:cSld>
+    <p:spTree>
+      <p:nvGrpSpPr>
+        <p:cNvPr id="1" name=""/>
+        <p:cNvGrpSpPr/>
+        <p:nvPr/>
+      </p:nvGrpSpPr>
+      <p:grpSpPr>
+        <a:xfrm>
+          <a:off x="0" y="0"/>
+          <a:ext cx="0" cy="0"/>
+          <a:chOff x="0" y="0"/>
+          <a:chExt cx="0" cy="0"/>
+        </a:xfrm>
+      </p:grpSpPr>
+      <p:sp>
+        <p:nvSpPr>
+          <p:cNvPr id="3" name="矩形 2">
+            <a:extLst>
+              <a:ext uri="{FF2B5EF4-FFF2-40B4-BE49-F238E27FC236}">
+                <a16:creationId xmlns:a16="http://schemas.microsoft.com/office/drawing/2014/main" id="{72F6DECD-5594-A952-5066-FA02F7C28B17}"/>
+              </a:ext>
+            </a:extLst>
+          </p:cNvPr>
+          <p:cNvSpPr/>
+          <p:nvPr/>
+        </p:nvSpPr>
+        <p:spPr>
+          <a:xfrm>
+            <a:off x="5811836" y="1226434"/>
+            <a:ext cx="568325" cy="177418"/>
+          </a:xfrm>
+          <a:prstGeom prst="rect">
+            <a:avLst/>
+          </a:prstGeom>
+        </p:spPr>
+        <p:style>
+          <a:lnRef idx="2">
+            <a:schemeClr val="accent4">
+              <a:shade val="50000"/>
+            </a:schemeClr>
+          </a:lnRef>
+          <a:fillRef idx="1">
+            <a:schemeClr val="accent4"/>
+          </a:fillRef>
+          <a:effectRef idx="0">
+            <a:schemeClr val="accent4"/>
+          </a:effectRef>
+          <a:fontRef idx="minor">
+            <a:schemeClr val="lt1"/>
+          </a:fontRef>
+        </p:style>
+        <p:txBody>
+          <a:bodyPr rtlCol="0" anchor="ctr"/>
+          <a:lstStyle/>
+          <a:p>
+            <a:pPr algn="ctr"/>
+            <a:r>
+              <a:rPr lang="zh-CN" altLang="en-US" sz="1200" dirty="0"/>
+              <a:t>创建</a:t>
+            </a:r>
+          </a:p>
+        </p:txBody>
+      </p:sp>
+      <p:sp>
+        <p:nvSpPr>
+          <p:cNvPr id="58" name="文本框 57">
+            <a:hlinkClick r:id="rId2" action="ppaction://hlinksldjump"/>
+            <a:extLst>
+              <a:ext uri="{FF2B5EF4-FFF2-40B4-BE49-F238E27FC236}">
+                <a16:creationId xmlns:a16="http://schemas.microsoft.com/office/drawing/2014/main" id="{18C6FCF3-8A03-94FD-8144-C09CBBD1DEB0}"/>
+              </a:ext>
+            </a:extLst>
+          </p:cNvPr>
+          <p:cNvSpPr txBox="1"/>
+          <p:nvPr/>
+        </p:nvSpPr>
+        <p:spPr>
+          <a:xfrm>
+            <a:off x="3311967" y="430381"/>
+            <a:ext cx="5138167" cy="461665"/>
+          </a:xfrm>
+          <a:prstGeom prst="rect">
+            <a:avLst/>
+          </a:prstGeom>
+          <a:noFill/>
+        </p:spPr>
+        <p:txBody>
+          <a:bodyPr wrap="square" rtlCol="0">
+            <a:spAutoFit/>
+          </a:bodyPr>
+          <a:lstStyle/>
+          <a:p>
+            <a:pPr algn="ctr"/>
+            <a:r>
+              <a:rPr lang="en-US" altLang="zh-CN" sz="2400" dirty="0">
+                <a:ln w="0"/>
+                <a:gradFill>
+                  <a:gsLst>
+                    <a:gs pos="0">
+                      <a:schemeClr val="accent5">
+                        <a:lumMod val="50000"/>
+                      </a:schemeClr>
+                    </a:gs>
+                    <a:gs pos="50000">
+                      <a:schemeClr val="accent5"/>
+                    </a:gs>
+                    <a:gs pos="100000">
+                      <a:schemeClr val="accent5">
+                        <a:lumMod val="60000"/>
+                        <a:lumOff val="40000"/>
+                      </a:schemeClr>
+                    </a:gs>
+                  </a:gsLst>
+                  <a:lin ang="5400000"/>
+                </a:gradFill>
+                <a:effectLst>
+                  <a:reflection blurRad="6350" stA="53000" endA="300" endPos="35500" dir="5400000" sy="-90000" algn="bl" rotWithShape="0"/>
+                </a:effectLst>
+              </a:rPr>
+              <a:t>EazyFrpSetting WIKI PowerPoint</a:t>
+            </a:r>
+            <a:endParaRPr lang="zh-CN" altLang="en-US" sz="2400" dirty="0">
+              <a:ln w="0"/>
+              <a:gradFill>
+                <a:gsLst>
+                  <a:gs pos="0">
+                    <a:schemeClr val="accent5">
+                      <a:lumMod val="50000"/>
+                    </a:schemeClr>
+                  </a:gs>
+                  <a:gs pos="50000">
+                    <a:schemeClr val="accent5"/>
+                  </a:gs>
+                  <a:gs pos="100000">
+                    <a:schemeClr val="accent5">
+                      <a:lumMod val="60000"/>
+                      <a:lumOff val="40000"/>
+                    </a:schemeClr>
+                  </a:gs>
+                </a:gsLst>
+                <a:lin ang="5400000"/>
+              </a:gradFill>
+              <a:effectLst>
+                <a:reflection blurRad="6350" stA="53000" endA="300" endPos="35500" dir="5400000" sy="-90000" algn="bl" rotWithShape="0"/>
+              </a:effectLst>
+            </a:endParaRPr>
+          </a:p>
+        </p:txBody>
+      </p:sp>
+      <p:sp>
+        <p:nvSpPr>
+          <p:cNvPr id="71" name="文本框 70">
+            <a:hlinkClick r:id="rId3" action="ppaction://hlinksldjump"/>
+            <a:extLst>
+              <a:ext uri="{FF2B5EF4-FFF2-40B4-BE49-F238E27FC236}">
+                <a16:creationId xmlns:a16="http://schemas.microsoft.com/office/drawing/2014/main" id="{833B1726-6C17-5241-5B4C-2C4D9D5B1ED4}"/>
+              </a:ext>
+            </a:extLst>
+          </p:cNvPr>
+          <p:cNvSpPr txBox="1"/>
+          <p:nvPr/>
+        </p:nvSpPr>
+        <p:spPr>
+          <a:xfrm>
+            <a:off x="6429883" y="890236"/>
+            <a:ext cx="1540638" cy="246221"/>
+          </a:xfrm>
+          <a:prstGeom prst="rect">
+            <a:avLst/>
+          </a:prstGeom>
+          <a:noFill/>
+        </p:spPr>
+        <p:txBody>
+          <a:bodyPr wrap="square" rtlCol="0">
+            <a:spAutoFit/>
+          </a:bodyPr>
+          <a:lstStyle/>
+          <a:p>
+            <a:pPr algn="r"/>
+            <a:r>
+              <a:rPr lang="en-US" altLang="zh-CN" sz="1000" dirty="0">
+                <a:ln w="0"/>
+                <a:gradFill>
+                  <a:gsLst>
+                    <a:gs pos="0">
+                      <a:schemeClr val="accent5">
+                        <a:lumMod val="50000"/>
+                      </a:schemeClr>
+                    </a:gs>
+                    <a:gs pos="50000">
+                      <a:schemeClr val="accent5"/>
+                    </a:gs>
+                    <a:gs pos="100000">
+                      <a:schemeClr val="accent5">
+                        <a:lumMod val="60000"/>
+                        <a:lumOff val="40000"/>
+                      </a:schemeClr>
+                    </a:gs>
+                  </a:gsLst>
+                  <a:lin ang="5400000"/>
+                </a:gradFill>
+                <a:effectLst>
+                  <a:reflection blurRad="6350" stA="53000" endA="300" endPos="35500" dir="5400000" sy="-90000" algn="bl" rotWithShape="0"/>
+                </a:effectLst>
+              </a:rPr>
+              <a:t>Version-2 (v1.6_fix1)</a:t>
+            </a:r>
+            <a:endParaRPr lang="zh-CN" altLang="en-US" sz="1000" dirty="0">
+              <a:ln w="0"/>
+              <a:gradFill>
+                <a:gsLst>
+                  <a:gs pos="0">
+                    <a:schemeClr val="accent5">
+                      <a:lumMod val="50000"/>
+                    </a:schemeClr>
+                  </a:gs>
+                  <a:gs pos="50000">
+                    <a:schemeClr val="accent5"/>
+                  </a:gs>
+                  <a:gs pos="100000">
+                    <a:schemeClr val="accent5">
+                      <a:lumMod val="60000"/>
+                      <a:lumOff val="40000"/>
+                    </a:schemeClr>
+                  </a:gs>
+                </a:gsLst>
+                <a:lin ang="5400000"/>
+              </a:gradFill>
+              <a:effectLst>
+                <a:reflection blurRad="6350" stA="53000" endA="300" endPos="35500" dir="5400000" sy="-90000" algn="bl" rotWithShape="0"/>
+              </a:effectLst>
+            </a:endParaRPr>
+          </a:p>
+        </p:txBody>
+      </p:sp>
+      <p:sp>
+        <p:nvSpPr>
+          <p:cNvPr id="19" name="文本框 18">
+            <a:extLst>
+              <a:ext uri="{FF2B5EF4-FFF2-40B4-BE49-F238E27FC236}">
+                <a16:creationId xmlns:a16="http://schemas.microsoft.com/office/drawing/2014/main" id="{765FF2AE-C9DB-BCDC-9368-62A67248630A}"/>
+              </a:ext>
+            </a:extLst>
+          </p:cNvPr>
+          <p:cNvSpPr txBox="1"/>
+          <p:nvPr/>
+        </p:nvSpPr>
+        <p:spPr>
+          <a:xfrm>
+            <a:off x="841374" y="1828800"/>
             <a:ext cx="10509250" cy="3970318"/>
           </a:xfrm>
           <a:prstGeom prst="rect">
@@ -5814,13 +6563,13 @@
   <p:clrMapOvr>
     <a:masterClrMapping/>
   </p:clrMapOvr>
-  <mc:AlternateContent xmlns:mc="http://schemas.openxmlformats.org/markup-compatibility/2006">
-    <mc:Choice xmlns:p159="http://schemas.microsoft.com/office/powerpoint/2015/09/main" Requires="p159">
+  <mc:AlternateContent xmlns:mc="http://schemas.openxmlformats.org/markup-compatibility/2006" xmlns:p159="http://schemas.microsoft.com/office/powerpoint/2015/09/main">
+    <mc:Choice Requires="p159">
       <p:transition spd="slow" advClick="0">
         <p159:morph option="byObject"/>
       </p:transition>
     </mc:Choice>
-    <mc:Fallback>
+    <mc:Fallback xmlns="">
       <p:transition spd="slow" advClick="0">
         <p:fade/>
       </p:transition>
@@ -8812,11 +9561,60 @@
       </p:grpSpPr>
       <p:sp>
         <p:nvSpPr>
-          <p:cNvPr id="2" name="文本框 1">
+          <p:cNvPr id="3" name="矩形 2">
+            <a:extLst>
+              <a:ext uri="{FF2B5EF4-FFF2-40B4-BE49-F238E27FC236}">
+                <a16:creationId xmlns:a16="http://schemas.microsoft.com/office/drawing/2014/main" id="{72F6DECD-5594-A952-5066-FA02F7C28B17}"/>
+              </a:ext>
+            </a:extLst>
+          </p:cNvPr>
+          <p:cNvSpPr/>
+          <p:nvPr/>
+        </p:nvSpPr>
+        <p:spPr>
+          <a:xfrm>
+            <a:off x="5811836" y="1226434"/>
+            <a:ext cx="568325" cy="177418"/>
+          </a:xfrm>
+          <a:prstGeom prst="rect">
+            <a:avLst/>
+          </a:prstGeom>
+        </p:spPr>
+        <p:style>
+          <a:lnRef idx="2">
+            <a:schemeClr val="accent4">
+              <a:shade val="50000"/>
+            </a:schemeClr>
+          </a:lnRef>
+          <a:fillRef idx="1">
+            <a:schemeClr val="accent4"/>
+          </a:fillRef>
+          <a:effectRef idx="0">
+            <a:schemeClr val="accent4"/>
+          </a:effectRef>
+          <a:fontRef idx="minor">
+            <a:schemeClr val="lt1"/>
+          </a:fontRef>
+        </p:style>
+        <p:txBody>
+          <a:bodyPr rtlCol="0" anchor="ctr"/>
+          <a:lstStyle/>
+          <a:p>
+            <a:pPr algn="ctr"/>
+            <a:r>
+              <a:rPr lang="zh-CN" altLang="en-US" sz="1200" dirty="0"/>
+              <a:t>启动</a:t>
+            </a:r>
+          </a:p>
+        </p:txBody>
+      </p:sp>
+      <p:sp>
+        <p:nvSpPr>
+          <p:cNvPr id="58" name="文本框 57">
             <a:hlinkClick r:id="rId2" action="ppaction://hlinksldjump"/>
             <a:extLst>
               <a:ext uri="{FF2B5EF4-FFF2-40B4-BE49-F238E27FC236}">
-                <a16:creationId xmlns:a16="http://schemas.microsoft.com/office/drawing/2014/main" id="{CA3E63E3-E2AD-A2AB-A7EC-807835B81CAA}"/>
+                <a16:creationId xmlns:a16="http://schemas.microsoft.com/office/drawing/2014/main" id="{18C6FCF3-8A03-94FD-8144-C09CBBD1DEB0}"/>
               </a:ext>
             </a:extLst>
           </p:cNvPr>
@@ -8898,10 +9696,11 @@
       </p:sp>
       <p:sp>
         <p:nvSpPr>
-          <p:cNvPr id="3" name="文本框 2">
-            <a:extLst>
-              <a:ext uri="{FF2B5EF4-FFF2-40B4-BE49-F238E27FC236}">
-                <a16:creationId xmlns:a16="http://schemas.microsoft.com/office/drawing/2014/main" id="{2FFFEF37-6886-02F8-A02E-DDE2E6E55D64}"/>
+          <p:cNvPr id="71" name="文本框 70">
+            <a:hlinkClick r:id="rId3" action="ppaction://hlinksldjump"/>
+            <a:extLst>
+              <a:ext uri="{FF2B5EF4-FFF2-40B4-BE49-F238E27FC236}">
+                <a16:creationId xmlns:a16="http://schemas.microsoft.com/office/drawing/2014/main" id="{833B1726-6C17-5241-5B4C-2C4D9D5B1ED4}"/>
               </a:ext>
             </a:extLst>
           </p:cNvPr>
@@ -8983,10 +9782,10 @@
       </p:sp>
       <p:sp>
         <p:nvSpPr>
-          <p:cNvPr id="4" name="文本框 3">
-            <a:extLst>
-              <a:ext uri="{FF2B5EF4-FFF2-40B4-BE49-F238E27FC236}">
-                <a16:creationId xmlns:a16="http://schemas.microsoft.com/office/drawing/2014/main" id="{B721AC2C-59E0-D35F-C72F-F66561577191}"/>
+          <p:cNvPr id="19" name="文本框 18">
+            <a:extLst>
+              <a:ext uri="{FF2B5EF4-FFF2-40B4-BE49-F238E27FC236}">
+                <a16:creationId xmlns:a16="http://schemas.microsoft.com/office/drawing/2014/main" id="{765FF2AE-C9DB-BCDC-9368-62A67248630A}"/>
               </a:ext>
             </a:extLst>
           </p:cNvPr>
@@ -8996,7 +9795,7 @@
         <p:spPr>
           <a:xfrm>
             <a:off x="841374" y="1828800"/>
-            <a:ext cx="10509250" cy="2031325"/>
+            <a:ext cx="10509250" cy="3754874"/>
           </a:xfrm>
           <a:prstGeom prst="rect">
             <a:avLst/>
@@ -9009,94 +9808,867 @@
           </a:bodyPr>
           <a:lstStyle/>
           <a:p>
+            <a:pPr marL="285750" indent="-285750">
+              <a:buFont typeface="Arial" panose="020B0604020202020204" pitchFamily="34" charset="0"/>
+              <a:buChar char="•"/>
+            </a:pPr>
+            <a:r>
+              <a:rPr lang="zh-CN" altLang="en-US" sz="1400" b="1" dirty="0"/>
+              <a:t>在主菜单选择保存退出后程序将保存配置文件后组装文件并启动</a:t>
+            </a:r>
+            <a:r>
+              <a:rPr lang="en-US" altLang="zh-CN" sz="1400" b="1" dirty="0" err="1"/>
+              <a:t>Frp</a:t>
+            </a:r>
+            <a:r>
+              <a:rPr lang="zh-CN" altLang="en-US" sz="1400" b="1" dirty="0"/>
+              <a:t>服务</a:t>
+            </a:r>
+            <a:endParaRPr lang="en-US" altLang="zh-CN" sz="1400" b="1" dirty="0"/>
+          </a:p>
+          <a:p>
+            <a:pPr marL="285750" indent="-285750">
+              <a:buFont typeface="Arial" panose="020B0604020202020204" pitchFamily="34" charset="0"/>
+              <a:buChar char="•"/>
+            </a:pPr>
+            <a:r>
+              <a:rPr lang="zh-CN" altLang="en-US" sz="1400" b="1" dirty="0"/>
+              <a:t>保存流程（</a:t>
+            </a:r>
+            <a:r>
+              <a:rPr lang="en-US" altLang="zh-CN" sz="1400" b="1" dirty="0"/>
+              <a:t>487~512</a:t>
+            </a:r>
+            <a:r>
+              <a:rPr lang="zh-CN" altLang="en-US" sz="1400" b="1" dirty="0"/>
+              <a:t>）</a:t>
+            </a:r>
+            <a:endParaRPr lang="en-US" altLang="zh-CN" sz="1400" b="1" dirty="0"/>
+          </a:p>
+          <a:p>
+            <a:pPr marL="742950" lvl="1" indent="-285750">
+              <a:buFont typeface="Arial" panose="020B0604020202020204" pitchFamily="34" charset="0"/>
+              <a:buChar char="•"/>
+            </a:pPr>
+            <a:r>
+              <a:rPr lang="zh-CN" altLang="en-US" sz="1400" b="1" dirty="0"/>
+              <a:t>保存方式与</a:t>
+            </a:r>
+            <a:r>
+              <a:rPr lang="zh-CN" altLang="en-US" sz="1400" b="1" dirty="0">
+                <a:hlinkClick r:id="rId4" action="ppaction://hlinksldjump"/>
+              </a:rPr>
+              <a:t>保存退出</a:t>
+            </a:r>
+            <a:r>
+              <a:rPr lang="zh-CN" altLang="en-US" sz="1400" b="1" dirty="0"/>
+              <a:t>一致</a:t>
+            </a:r>
+            <a:endParaRPr lang="en-US" altLang="zh-CN" sz="1400" b="1" dirty="0"/>
+          </a:p>
+          <a:p>
+            <a:pPr marL="742950" lvl="1" indent="-285750">
+              <a:buFont typeface="Arial" panose="020B0604020202020204" pitchFamily="34" charset="0"/>
+              <a:buChar char="•"/>
+            </a:pPr>
+            <a:r>
+              <a:rPr lang="zh-CN" altLang="en-US" sz="1400" b="1" dirty="0"/>
+              <a:t>检测链接列表是否为空，如果为空则不能启动（</a:t>
+            </a:r>
+            <a:r>
+              <a:rPr lang="en-US" altLang="zh-CN" sz="1400" b="1" dirty="0"/>
+              <a:t>509~512</a:t>
+            </a:r>
+            <a:r>
+              <a:rPr lang="zh-CN" altLang="en-US" sz="1400" b="1" dirty="0"/>
+              <a:t>）</a:t>
+            </a:r>
+            <a:endParaRPr lang="en-US" altLang="zh-CN" sz="1400" b="1" dirty="0"/>
+          </a:p>
+          <a:p>
+            <a:pPr marL="742950" lvl="1" indent="-285750">
+              <a:buFont typeface="Arial" panose="020B0604020202020204" pitchFamily="34" charset="0"/>
+              <a:buChar char="•"/>
+            </a:pPr>
+            <a:r>
+              <a:rPr lang="zh-CN" altLang="en-US" sz="1400" b="1" dirty="0"/>
+              <a:t>如果一切正常则进入启动流程</a:t>
+            </a:r>
+            <a:endParaRPr lang="en-US" altLang="zh-CN" sz="1400" b="1" dirty="0"/>
+          </a:p>
+          <a:p>
+            <a:pPr marL="285750" indent="-285750">
+              <a:buFont typeface="Arial" panose="020B0604020202020204" pitchFamily="34" charset="0"/>
+              <a:buChar char="•"/>
+            </a:pPr>
+            <a:r>
+              <a:rPr lang="zh-CN" altLang="en-US" sz="1400" b="1" dirty="0"/>
+              <a:t>启动流程（</a:t>
+            </a:r>
+            <a:r>
+              <a:rPr lang="en-US" altLang="zh-CN" sz="1400" b="1" dirty="0"/>
+              <a:t>527~555</a:t>
+            </a:r>
+            <a:r>
+              <a:rPr lang="zh-CN" altLang="en-US" sz="1400" b="1" dirty="0"/>
+              <a:t>）</a:t>
+            </a:r>
+            <a:endParaRPr lang="en-US" altLang="zh-CN" sz="1400" b="1" dirty="0"/>
+          </a:p>
+          <a:p>
+            <a:pPr marL="742950" lvl="1" indent="-285750">
+              <a:buFont typeface="Arial" panose="020B0604020202020204" pitchFamily="34" charset="0"/>
+              <a:buChar char="•"/>
+            </a:pPr>
+            <a:r>
+              <a:rPr lang="zh-CN" altLang="en-US" sz="1400" b="1" dirty="0"/>
+              <a:t>输出映射链接（</a:t>
+            </a:r>
+            <a:r>
+              <a:rPr lang="en-US" altLang="zh-CN" sz="1400" b="1" dirty="0"/>
+              <a:t>528~533</a:t>
+            </a:r>
+            <a:r>
+              <a:rPr lang="zh-CN" altLang="en-US" sz="1400" b="1" dirty="0"/>
+              <a:t>）</a:t>
+            </a:r>
+            <a:endParaRPr lang="en-US" altLang="zh-CN" sz="1400" b="1" dirty="0"/>
+          </a:p>
+          <a:p>
+            <a:pPr marL="1200150" lvl="2" indent="-285750">
+              <a:buFont typeface="Arial" panose="020B0604020202020204" pitchFamily="34" charset="0"/>
+              <a:buChar char="•"/>
+            </a:pPr>
             <a:r>
               <a:rPr lang="zh-CN" altLang="en-US" sz="1400" dirty="0"/>
-              <a:t>依据版本</a:t>
-            </a:r>
-            <a:r>
-              <a:rPr lang="en-US" altLang="zh-CN" sz="1400" dirty="0"/>
-              <a:t>	Version2	(v1.6_fix1)</a:t>
-            </a:r>
-          </a:p>
-          <a:p>
-            <a:r>
-              <a:rPr lang="zh-CN" altLang="en-US" sz="1400" dirty="0"/>
-              <a:t>版本日期</a:t>
-            </a:r>
-            <a:r>
-              <a:rPr lang="en-US" altLang="zh-CN" sz="1400" dirty="0"/>
-              <a:t>	2023-4-4</a:t>
-            </a:r>
-          </a:p>
-          <a:p>
-            <a:r>
-              <a:rPr lang="en-US" altLang="zh-CN" sz="1400" dirty="0"/>
-              <a:t>Python	3.10</a:t>
-            </a:r>
-          </a:p>
-          <a:p>
+              <a:t>捕捉每一条链接的信息并组装输出一个与环境相符的映射信息</a:t>
+            </a:r>
             <a:endParaRPr lang="en-US" altLang="zh-CN" sz="1400" dirty="0"/>
           </a:p>
           <a:p>
-            <a:r>
-              <a:rPr lang="en-US" altLang="zh-CN" sz="1400" dirty="0"/>
-              <a:t>WIKI</a:t>
-            </a:r>
-            <a:r>
-              <a:rPr lang="zh-CN" altLang="en-US" sz="1400" dirty="0"/>
-              <a:t>版本</a:t>
-            </a:r>
-            <a:r>
-              <a:rPr lang="en-US" altLang="zh-CN" sz="1400" dirty="0"/>
-              <a:t>	v0.1</a:t>
-            </a:r>
-          </a:p>
-          <a:p>
-            <a:r>
-              <a:rPr lang="zh-CN" altLang="en-US" sz="1400" dirty="0"/>
-              <a:t>更新日期</a:t>
-            </a:r>
-            <a:r>
-              <a:rPr lang="en-US" altLang="zh-CN" sz="1400" dirty="0"/>
-              <a:t>	2023-4-11</a:t>
-            </a:r>
-          </a:p>
-          <a:p>
-            <a:endParaRPr lang="en-US" altLang="zh-CN" sz="1400" dirty="0"/>
-          </a:p>
-          <a:p>
-            <a:endParaRPr lang="en-US" altLang="zh-CN" sz="1400" dirty="0"/>
-          </a:p>
-          <a:p>
-            <a:r>
-              <a:rPr lang="zh-CN" altLang="en-US" sz="1400" dirty="0"/>
-              <a:t>贡献者</a:t>
-            </a:r>
-            <a:r>
-              <a:rPr lang="en-US" altLang="zh-CN" sz="1400" dirty="0"/>
-              <a:t>	LyceenAiro</a:t>
-            </a:r>
-          </a:p>
-        </p:txBody>
-      </p:sp>
+            <a:pPr marL="742950" lvl="1" indent="-285750">
+              <a:buFont typeface="Arial" panose="020B0604020202020204" pitchFamily="34" charset="0"/>
+              <a:buChar char="•"/>
+            </a:pPr>
+            <a:r>
+              <a:rPr lang="zh-CN" altLang="en-US" sz="1400" b="1" dirty="0"/>
+              <a:t>组装启动配置文件（</a:t>
+            </a:r>
+            <a:r>
+              <a:rPr lang="en-US" altLang="zh-CN" sz="1400" b="1" dirty="0"/>
+              <a:t>534~543</a:t>
+            </a:r>
+            <a:r>
+              <a:rPr lang="zh-CN" altLang="en-US" sz="1400" b="1" dirty="0"/>
+              <a:t>）</a:t>
+            </a:r>
+            <a:endParaRPr lang="en-US" altLang="zh-CN" sz="1400" b="1" dirty="0"/>
+          </a:p>
+          <a:p>
+            <a:pPr marL="1200150" lvl="2" indent="-285750">
+              <a:buFont typeface="Arial" panose="020B0604020202020204" pitchFamily="34" charset="0"/>
+              <a:buChar char="•"/>
+            </a:pPr>
+            <a:r>
+              <a:rPr lang="zh-CN" altLang="en-US" sz="1400" b="1" dirty="0"/>
+              <a:t>将</a:t>
+            </a:r>
+            <a:r>
+              <a:rPr lang="en-US" altLang="zh-CN" sz="1400" b="1" dirty="0"/>
+              <a:t>server.ini</a:t>
+            </a:r>
+            <a:r>
+              <a:rPr lang="zh-CN" altLang="en-US" sz="1400" b="1" dirty="0"/>
+              <a:t>、</a:t>
+            </a:r>
+            <a:r>
+              <a:rPr lang="en-US" altLang="zh-CN" sz="1400" b="1" dirty="0"/>
+              <a:t>more.ini</a:t>
+            </a:r>
+            <a:r>
+              <a:rPr lang="zh-CN" altLang="en-US" sz="1400" b="1" dirty="0"/>
+              <a:t>、</a:t>
+            </a:r>
+            <a:r>
+              <a:rPr lang="en-US" altLang="zh-CN" sz="1400" b="1" dirty="0"/>
+              <a:t>link?.</a:t>
+            </a:r>
+            <a:r>
+              <a:rPr lang="en-US" altLang="zh-CN" sz="1400" b="1" dirty="0" err="1"/>
+              <a:t>ini</a:t>
+            </a:r>
+            <a:r>
+              <a:rPr lang="zh-CN" altLang="en-US" sz="1400" b="1" dirty="0"/>
+              <a:t>组装到同一个列表中</a:t>
+            </a:r>
+            <a:endParaRPr lang="en-US" altLang="zh-CN" sz="1400" b="1" dirty="0"/>
+          </a:p>
+          <a:p>
+            <a:pPr marL="1200150" lvl="2" indent="-285750">
+              <a:buFont typeface="Arial" panose="020B0604020202020204" pitchFamily="34" charset="0"/>
+              <a:buChar char="•"/>
+            </a:pPr>
+            <a:r>
+              <a:rPr lang="zh-CN" altLang="en-US" sz="1400" b="1" dirty="0"/>
+              <a:t>序列保存组装后的列表</a:t>
+            </a:r>
+            <a:endParaRPr lang="en-US" altLang="zh-CN" sz="1400" b="1" dirty="0"/>
+          </a:p>
+          <a:p>
+            <a:pPr marL="742950" lvl="1" indent="-285750">
+              <a:buFont typeface="Arial" panose="020B0604020202020204" pitchFamily="34" charset="0"/>
+              <a:buChar char="•"/>
+            </a:pPr>
+            <a:r>
+              <a:rPr lang="zh-CN" altLang="en-US" sz="1400" b="1" dirty="0"/>
+              <a:t>清除所有的缓存（</a:t>
+            </a:r>
+            <a:r>
+              <a:rPr lang="en-US" altLang="zh-CN" sz="1400" b="1" dirty="0"/>
+              <a:t>544~552</a:t>
+            </a:r>
+            <a:r>
+              <a:rPr lang="zh-CN" altLang="en-US" sz="1400" b="1" dirty="0"/>
+              <a:t>）</a:t>
+            </a:r>
+            <a:endParaRPr lang="en-US" altLang="zh-CN" sz="1400" b="1" dirty="0"/>
+          </a:p>
+          <a:p>
+            <a:pPr marL="742950" lvl="1" indent="-285750">
+              <a:buFont typeface="Arial" panose="020B0604020202020204" pitchFamily="34" charset="0"/>
+              <a:buChar char="•"/>
+            </a:pPr>
+            <a:r>
+              <a:rPr lang="zh-CN" altLang="en-US" sz="1400" b="1" dirty="0"/>
+              <a:t>调用组装后的列表启动</a:t>
+            </a:r>
+            <a:r>
+              <a:rPr lang="en-US" altLang="zh-CN" sz="1400" b="1" dirty="0"/>
+              <a:t>Frp.exe</a:t>
+            </a:r>
+            <a:r>
+              <a:rPr lang="zh-CN" altLang="en-US" sz="1400" b="1" dirty="0"/>
+              <a:t>（</a:t>
+            </a:r>
+            <a:r>
+              <a:rPr lang="en-US" altLang="zh-CN" sz="1400" b="1" dirty="0"/>
+              <a:t>554</a:t>
+            </a:r>
+            <a:r>
+              <a:rPr lang="zh-CN" altLang="en-US" sz="1400" b="1" dirty="0"/>
+              <a:t>）</a:t>
+            </a:r>
+            <a:endParaRPr lang="en-US" altLang="zh-CN" sz="1400" b="1" dirty="0"/>
+          </a:p>
+          <a:p>
+            <a:pPr marL="742950" lvl="1" indent="-285750">
+              <a:buFont typeface="Arial" panose="020B0604020202020204" pitchFamily="34" charset="0"/>
+              <a:buChar char="•"/>
+            </a:pPr>
+            <a:endParaRPr lang="en-US" altLang="zh-CN" sz="1400" b="1" dirty="0"/>
+          </a:p>
+          <a:p>
+            <a:pPr marL="285750" indent="-285750">
+              <a:buFont typeface="Arial" panose="020B0604020202020204" pitchFamily="34" charset="0"/>
+              <a:buChar char="•"/>
+            </a:pPr>
+            <a:r>
+              <a:rPr lang="zh-CN" altLang="en-US" sz="1400" b="1" dirty="0"/>
+              <a:t>当</a:t>
+            </a:r>
+            <a:r>
+              <a:rPr lang="en-US" altLang="zh-CN" sz="1400" b="1" dirty="0"/>
+              <a:t>Frp.exe</a:t>
+            </a:r>
+            <a:r>
+              <a:rPr lang="zh-CN" altLang="en-US" sz="1400" b="1" dirty="0"/>
+              <a:t>因为意外结束后可以自动重启，重新进行配置</a:t>
+            </a:r>
+            <a:endParaRPr lang="en-US" altLang="zh-CN" sz="1400" b="1" dirty="0"/>
+          </a:p>
+          <a:p>
+            <a:pPr marL="285750" indent="-285750">
+              <a:buFont typeface="Arial" panose="020B0604020202020204" pitchFamily="34" charset="0"/>
+              <a:buChar char="•"/>
+            </a:pPr>
+            <a:r>
+              <a:rPr lang="zh-CN" altLang="en-US" sz="1400" b="1" dirty="0"/>
+              <a:t>如果</a:t>
+            </a:r>
+            <a:r>
+              <a:rPr lang="en-US" altLang="zh-CN" sz="1400" b="1" dirty="0"/>
+              <a:t>Frp.exe</a:t>
+            </a:r>
+            <a:r>
+              <a:rPr lang="zh-CN" altLang="en-US" sz="1400" b="1" dirty="0"/>
+              <a:t>运行正常需要关闭并重新启动程序才能进行下一次配置</a:t>
+            </a:r>
+            <a:endParaRPr lang="en-US" altLang="zh-CN" sz="1400" b="1" dirty="0"/>
+          </a:p>
+          <a:p>
+            <a:pPr marL="742950" lvl="1" indent="-285750">
+              <a:buFont typeface="Arial" panose="020B0604020202020204" pitchFamily="34" charset="0"/>
+              <a:buChar char="•"/>
+            </a:pPr>
+            <a:endParaRPr lang="en-US" altLang="zh-CN" sz="1400" b="1" dirty="0"/>
+          </a:p>
+        </p:txBody>
+      </p:sp>
+      <p:sp>
+        <p:nvSpPr>
+          <p:cNvPr id="20" name="矩形 19">
+            <a:extLst>
+              <a:ext uri="{FF2B5EF4-FFF2-40B4-BE49-F238E27FC236}">
+                <a16:creationId xmlns:a16="http://schemas.microsoft.com/office/drawing/2014/main" id="{CC7E14C9-52F1-A297-AF9D-119CE1CFCFB0}"/>
+              </a:ext>
+            </a:extLst>
+          </p:cNvPr>
+          <p:cNvSpPr/>
+          <p:nvPr/>
+        </p:nvSpPr>
+        <p:spPr>
+          <a:xfrm>
+            <a:off x="4416425" y="1188718"/>
+            <a:ext cx="1136650" cy="262128"/>
+          </a:xfrm>
+          <a:prstGeom prst="rect">
+            <a:avLst/>
+          </a:prstGeom>
+        </p:spPr>
+        <p:style>
+          <a:lnRef idx="2">
+            <a:schemeClr val="accent5">
+              <a:shade val="50000"/>
+            </a:schemeClr>
+          </a:lnRef>
+          <a:fillRef idx="1">
+            <a:schemeClr val="accent5"/>
+          </a:fillRef>
+          <a:effectRef idx="0">
+            <a:schemeClr val="accent5"/>
+          </a:effectRef>
+          <a:fontRef idx="minor">
+            <a:schemeClr val="lt1"/>
+          </a:fontRef>
+        </p:style>
+        <p:txBody>
+          <a:bodyPr rtlCol="0" anchor="ctr"/>
+          <a:lstStyle/>
+          <a:p>
+            <a:pPr algn="ctr"/>
+            <a:r>
+              <a:rPr lang="zh-CN" altLang="en-US" dirty="0"/>
+              <a:t>保存</a:t>
+            </a:r>
+            <a:r>
+              <a:rPr lang="en-US" altLang="zh-CN" dirty="0"/>
+              <a:t>*</a:t>
+            </a:r>
+            <a:endParaRPr lang="zh-CN" altLang="en-US" dirty="0"/>
+          </a:p>
+        </p:txBody>
+      </p:sp>
+      <p:cxnSp>
+        <p:nvCxnSpPr>
+          <p:cNvPr id="22" name="直接连接符 21">
+            <a:extLst>
+              <a:ext uri="{FF2B5EF4-FFF2-40B4-BE49-F238E27FC236}">
+                <a16:creationId xmlns:a16="http://schemas.microsoft.com/office/drawing/2014/main" id="{DB530F08-7667-6B46-E5DC-66C6671AD8C1}"/>
+              </a:ext>
+            </a:extLst>
+          </p:cNvPr>
+          <p:cNvCxnSpPr>
+            <a:stCxn id="20" idx="3"/>
+            <a:endCxn id="3" idx="1"/>
+          </p:cNvCxnSpPr>
+          <p:nvPr/>
+        </p:nvCxnSpPr>
+        <p:spPr>
+          <a:xfrm flipV="1">
+            <a:off x="5553075" y="1315143"/>
+            <a:ext cx="258761" cy="4639"/>
+          </a:xfrm>
+          <a:prstGeom prst="line">
+            <a:avLst/>
+          </a:prstGeom>
+        </p:spPr>
+        <p:style>
+          <a:lnRef idx="1">
+            <a:schemeClr val="accent5"/>
+          </a:lnRef>
+          <a:fillRef idx="0">
+            <a:schemeClr val="accent5"/>
+          </a:fillRef>
+          <a:effectRef idx="0">
+            <a:schemeClr val="accent5"/>
+          </a:effectRef>
+          <a:fontRef idx="minor">
+            <a:schemeClr val="tx1"/>
+          </a:fontRef>
+        </p:style>
+      </p:cxnSp>
     </p:spTree>
     <p:extLst>
       <p:ext uri="{BB962C8B-B14F-4D97-AF65-F5344CB8AC3E}">
-        <p14:creationId xmlns:p14="http://schemas.microsoft.com/office/powerpoint/2010/main" val="3660631818"/>
+        <p14:creationId xmlns:p14="http://schemas.microsoft.com/office/powerpoint/2010/main" val="2063874087"/>
       </p:ext>
     </p:extLst>
   </p:cSld>
   <p:clrMapOvr>
     <a:masterClrMapping/>
   </p:clrMapOvr>
-  <mc:AlternateContent xmlns:mc="http://schemas.openxmlformats.org/markup-compatibility/2006">
-    <mc:Choice xmlns:p159="http://schemas.microsoft.com/office/powerpoint/2015/09/main" Requires="p159">
-      <p:transition xmlns:p14="http://schemas.microsoft.com/office/powerpoint/2010/main" spd="slow" p14:dur="2000">
+  <mc:AlternateContent xmlns:mc="http://schemas.openxmlformats.org/markup-compatibility/2006" xmlns:p159="http://schemas.microsoft.com/office/powerpoint/2015/09/main">
+    <mc:Choice Requires="p159">
+      <p:transition spd="slow" advClick="0">
         <p159:morph option="byObject"/>
       </p:transition>
     </mc:Choice>
-    <mc:Fallback>
-      <p:transition spd="slow">
+    <mc:Fallback xmlns="">
+      <p:transition spd="slow" advClick="0">
+        <p:fade/>
+      </p:transition>
+    </mc:Fallback>
+  </mc:AlternateContent>
+</p:sld>
+</file>
+
+<file path=ppt/slides/slide9.xml><?xml version="1.0" encoding="utf-8"?>
+<p:sld xmlns:a="http://schemas.openxmlformats.org/drawingml/2006/main" xmlns:r="http://schemas.openxmlformats.org/officeDocument/2006/relationships" xmlns:p="http://schemas.openxmlformats.org/presentationml/2006/main">
+  <p:cSld>
+    <p:spTree>
+      <p:nvGrpSpPr>
+        <p:cNvPr id="1" name=""/>
+        <p:cNvGrpSpPr/>
+        <p:nvPr/>
+      </p:nvGrpSpPr>
+      <p:grpSpPr>
+        <a:xfrm>
+          <a:off x="0" y="0"/>
+          <a:ext cx="0" cy="0"/>
+          <a:chOff x="0" y="0"/>
+          <a:chExt cx="0" cy="0"/>
+        </a:xfrm>
+      </p:grpSpPr>
+      <p:sp>
+        <p:nvSpPr>
+          <p:cNvPr id="3" name="矩形 2">
+            <a:extLst>
+              <a:ext uri="{FF2B5EF4-FFF2-40B4-BE49-F238E27FC236}">
+                <a16:creationId xmlns:a16="http://schemas.microsoft.com/office/drawing/2014/main" id="{72F6DECD-5594-A952-5066-FA02F7C28B17}"/>
+              </a:ext>
+            </a:extLst>
+          </p:cNvPr>
+          <p:cNvSpPr/>
+          <p:nvPr/>
+        </p:nvSpPr>
+        <p:spPr>
+          <a:xfrm>
+            <a:off x="5811836" y="1226434"/>
+            <a:ext cx="568325" cy="177418"/>
+          </a:xfrm>
+          <a:prstGeom prst="rect">
+            <a:avLst/>
+          </a:prstGeom>
+        </p:spPr>
+        <p:style>
+          <a:lnRef idx="2">
+            <a:schemeClr val="accent4">
+              <a:shade val="50000"/>
+            </a:schemeClr>
+          </a:lnRef>
+          <a:fillRef idx="1">
+            <a:schemeClr val="accent4"/>
+          </a:fillRef>
+          <a:effectRef idx="0">
+            <a:schemeClr val="accent4"/>
+          </a:effectRef>
+          <a:fontRef idx="minor">
+            <a:schemeClr val="lt1"/>
+          </a:fontRef>
+        </p:style>
+        <p:txBody>
+          <a:bodyPr rtlCol="0" anchor="ctr"/>
+          <a:lstStyle/>
+          <a:p>
+            <a:pPr algn="ctr"/>
+            <a:r>
+              <a:rPr lang="zh-CN" altLang="en-US" sz="1200" dirty="0"/>
+              <a:t>清除</a:t>
+            </a:r>
+          </a:p>
+        </p:txBody>
+      </p:sp>
+      <p:sp>
+        <p:nvSpPr>
+          <p:cNvPr id="58" name="文本框 57">
+            <a:hlinkClick r:id="rId2" action="ppaction://hlinksldjump"/>
+            <a:extLst>
+              <a:ext uri="{FF2B5EF4-FFF2-40B4-BE49-F238E27FC236}">
+                <a16:creationId xmlns:a16="http://schemas.microsoft.com/office/drawing/2014/main" id="{18C6FCF3-8A03-94FD-8144-C09CBBD1DEB0}"/>
+              </a:ext>
+            </a:extLst>
+          </p:cNvPr>
+          <p:cNvSpPr txBox="1"/>
+          <p:nvPr/>
+        </p:nvSpPr>
+        <p:spPr>
+          <a:xfrm>
+            <a:off x="3311967" y="430381"/>
+            <a:ext cx="5138167" cy="461665"/>
+          </a:xfrm>
+          <a:prstGeom prst="rect">
+            <a:avLst/>
+          </a:prstGeom>
+          <a:noFill/>
+        </p:spPr>
+        <p:txBody>
+          <a:bodyPr wrap="square" rtlCol="0">
+            <a:spAutoFit/>
+          </a:bodyPr>
+          <a:lstStyle/>
+          <a:p>
+            <a:pPr algn="ctr"/>
+            <a:r>
+              <a:rPr lang="en-US" altLang="zh-CN" sz="2400" dirty="0">
+                <a:ln w="0"/>
+                <a:gradFill>
+                  <a:gsLst>
+                    <a:gs pos="0">
+                      <a:schemeClr val="accent5">
+                        <a:lumMod val="50000"/>
+                      </a:schemeClr>
+                    </a:gs>
+                    <a:gs pos="50000">
+                      <a:schemeClr val="accent5"/>
+                    </a:gs>
+                    <a:gs pos="100000">
+                      <a:schemeClr val="accent5">
+                        <a:lumMod val="60000"/>
+                        <a:lumOff val="40000"/>
+                      </a:schemeClr>
+                    </a:gs>
+                  </a:gsLst>
+                  <a:lin ang="5400000"/>
+                </a:gradFill>
+                <a:effectLst>
+                  <a:reflection blurRad="6350" stA="53000" endA="300" endPos="35500" dir="5400000" sy="-90000" algn="bl" rotWithShape="0"/>
+                </a:effectLst>
+              </a:rPr>
+              <a:t>EazyFrpSetting WIKI PowerPoint</a:t>
+            </a:r>
+            <a:endParaRPr lang="zh-CN" altLang="en-US" sz="2400" dirty="0">
+              <a:ln w="0"/>
+              <a:gradFill>
+                <a:gsLst>
+                  <a:gs pos="0">
+                    <a:schemeClr val="accent5">
+                      <a:lumMod val="50000"/>
+                    </a:schemeClr>
+                  </a:gs>
+                  <a:gs pos="50000">
+                    <a:schemeClr val="accent5"/>
+                  </a:gs>
+                  <a:gs pos="100000">
+                    <a:schemeClr val="accent5">
+                      <a:lumMod val="60000"/>
+                      <a:lumOff val="40000"/>
+                    </a:schemeClr>
+                  </a:gs>
+                </a:gsLst>
+                <a:lin ang="5400000"/>
+              </a:gradFill>
+              <a:effectLst>
+                <a:reflection blurRad="6350" stA="53000" endA="300" endPos="35500" dir="5400000" sy="-90000" algn="bl" rotWithShape="0"/>
+              </a:effectLst>
+            </a:endParaRPr>
+          </a:p>
+        </p:txBody>
+      </p:sp>
+      <p:sp>
+        <p:nvSpPr>
+          <p:cNvPr id="71" name="文本框 70">
+            <a:hlinkClick r:id="rId3" action="ppaction://hlinksldjump"/>
+            <a:extLst>
+              <a:ext uri="{FF2B5EF4-FFF2-40B4-BE49-F238E27FC236}">
+                <a16:creationId xmlns:a16="http://schemas.microsoft.com/office/drawing/2014/main" id="{833B1726-6C17-5241-5B4C-2C4D9D5B1ED4}"/>
+              </a:ext>
+            </a:extLst>
+          </p:cNvPr>
+          <p:cNvSpPr txBox="1"/>
+          <p:nvPr/>
+        </p:nvSpPr>
+        <p:spPr>
+          <a:xfrm>
+            <a:off x="6429883" y="890236"/>
+            <a:ext cx="1540638" cy="246221"/>
+          </a:xfrm>
+          <a:prstGeom prst="rect">
+            <a:avLst/>
+          </a:prstGeom>
+          <a:noFill/>
+        </p:spPr>
+        <p:txBody>
+          <a:bodyPr wrap="square" rtlCol="0">
+            <a:spAutoFit/>
+          </a:bodyPr>
+          <a:lstStyle/>
+          <a:p>
+            <a:pPr algn="r"/>
+            <a:r>
+              <a:rPr lang="en-US" altLang="zh-CN" sz="1000" dirty="0">
+                <a:ln w="0"/>
+                <a:gradFill>
+                  <a:gsLst>
+                    <a:gs pos="0">
+                      <a:schemeClr val="accent5">
+                        <a:lumMod val="50000"/>
+                      </a:schemeClr>
+                    </a:gs>
+                    <a:gs pos="50000">
+                      <a:schemeClr val="accent5"/>
+                    </a:gs>
+                    <a:gs pos="100000">
+                      <a:schemeClr val="accent5">
+                        <a:lumMod val="60000"/>
+                        <a:lumOff val="40000"/>
+                      </a:schemeClr>
+                    </a:gs>
+                  </a:gsLst>
+                  <a:lin ang="5400000"/>
+                </a:gradFill>
+                <a:effectLst>
+                  <a:reflection blurRad="6350" stA="53000" endA="300" endPos="35500" dir="5400000" sy="-90000" algn="bl" rotWithShape="0"/>
+                </a:effectLst>
+              </a:rPr>
+              <a:t>Version-2 (v1.6_fix1)</a:t>
+            </a:r>
+            <a:endParaRPr lang="zh-CN" altLang="en-US" sz="1000" dirty="0">
+              <a:ln w="0"/>
+              <a:gradFill>
+                <a:gsLst>
+                  <a:gs pos="0">
+                    <a:schemeClr val="accent5">
+                      <a:lumMod val="50000"/>
+                    </a:schemeClr>
+                  </a:gs>
+                  <a:gs pos="50000">
+                    <a:schemeClr val="accent5"/>
+                  </a:gs>
+                  <a:gs pos="100000">
+                    <a:schemeClr val="accent5">
+                      <a:lumMod val="60000"/>
+                      <a:lumOff val="40000"/>
+                    </a:schemeClr>
+                  </a:gs>
+                </a:gsLst>
+                <a:lin ang="5400000"/>
+              </a:gradFill>
+              <a:effectLst>
+                <a:reflection blurRad="6350" stA="53000" endA="300" endPos="35500" dir="5400000" sy="-90000" algn="bl" rotWithShape="0"/>
+              </a:effectLst>
+            </a:endParaRPr>
+          </a:p>
+        </p:txBody>
+      </p:sp>
+      <p:sp>
+        <p:nvSpPr>
+          <p:cNvPr id="19" name="文本框 18">
+            <a:extLst>
+              <a:ext uri="{FF2B5EF4-FFF2-40B4-BE49-F238E27FC236}">
+                <a16:creationId xmlns:a16="http://schemas.microsoft.com/office/drawing/2014/main" id="{765FF2AE-C9DB-BCDC-9368-62A67248630A}"/>
+              </a:ext>
+            </a:extLst>
+          </p:cNvPr>
+          <p:cNvSpPr txBox="1"/>
+          <p:nvPr/>
+        </p:nvSpPr>
+        <p:spPr>
+          <a:xfrm>
+            <a:off x="841374" y="1828800"/>
+            <a:ext cx="10509250" cy="954107"/>
+          </a:xfrm>
+          <a:prstGeom prst="rect">
+            <a:avLst/>
+          </a:prstGeom>
+          <a:noFill/>
+        </p:spPr>
+        <p:txBody>
+          <a:bodyPr wrap="square" rtlCol="0">
+            <a:spAutoFit/>
+          </a:bodyPr>
+          <a:lstStyle/>
+          <a:p>
+            <a:pPr marL="285750" indent="-285750">
+              <a:buFont typeface="Arial" panose="020B0604020202020204" pitchFamily="34" charset="0"/>
+              <a:buChar char="•"/>
+            </a:pPr>
+            <a:r>
+              <a:rPr lang="zh-CN" altLang="en-US" sz="1400" b="1" dirty="0"/>
+              <a:t>清除所有的链接配置并关闭程序</a:t>
+            </a:r>
+            <a:endParaRPr lang="en-US" altLang="zh-CN" sz="1400" b="1" dirty="0"/>
+          </a:p>
+          <a:p>
+            <a:pPr marL="285750" indent="-285750">
+              <a:buFont typeface="Arial" panose="020B0604020202020204" pitchFamily="34" charset="0"/>
+              <a:buChar char="•"/>
+            </a:pPr>
+            <a:r>
+              <a:rPr lang="zh-CN" altLang="en-US" sz="1400" b="1" dirty="0"/>
+              <a:t>代码流程（</a:t>
+            </a:r>
+            <a:r>
+              <a:rPr lang="en-US" altLang="zh-CN" sz="1400" b="1" dirty="0"/>
+              <a:t>432~442</a:t>
+            </a:r>
+            <a:r>
+              <a:rPr lang="zh-CN" altLang="en-US" sz="1400" b="1" dirty="0"/>
+              <a:t>）</a:t>
+            </a:r>
+            <a:endParaRPr lang="en-US" altLang="zh-CN" sz="1400" b="1" dirty="0"/>
+          </a:p>
+          <a:p>
+            <a:pPr marL="742950" lvl="1" indent="-285750">
+              <a:buFont typeface="Arial" panose="020B0604020202020204" pitchFamily="34" charset="0"/>
+              <a:buChar char="•"/>
+            </a:pPr>
+            <a:r>
+              <a:rPr lang="zh-CN" altLang="en-US" sz="1400" dirty="0"/>
+              <a:t>在删除前需要进行两次确认</a:t>
+            </a:r>
+            <a:endParaRPr lang="en-US" altLang="zh-CN" sz="1400" dirty="0"/>
+          </a:p>
+          <a:p>
+            <a:pPr marL="742950" lvl="1" indent="-285750">
+              <a:buFont typeface="Arial" panose="020B0604020202020204" pitchFamily="34" charset="0"/>
+              <a:buChar char="•"/>
+            </a:pPr>
+            <a:r>
+              <a:rPr lang="zh-CN" altLang="en-US" sz="1400" dirty="0"/>
+              <a:t>通过最大链接数序列删除</a:t>
+            </a:r>
+            <a:r>
+              <a:rPr lang="en-US" altLang="zh-CN" sz="1400" dirty="0"/>
+              <a:t>link?.</a:t>
+            </a:r>
+            <a:r>
+              <a:rPr lang="en-US" altLang="zh-CN" sz="1400" dirty="0" err="1"/>
+              <a:t>ini</a:t>
+            </a:r>
+            <a:r>
+              <a:rPr lang="zh-CN" altLang="en-US" sz="1400" dirty="0"/>
+              <a:t>文件并关闭程序</a:t>
+            </a:r>
+            <a:endParaRPr lang="en-US" altLang="zh-CN" sz="1400" dirty="0"/>
+          </a:p>
+        </p:txBody>
+      </p:sp>
+      <p:sp>
+        <p:nvSpPr>
+          <p:cNvPr id="20" name="矩形 19">
+            <a:extLst>
+              <a:ext uri="{FF2B5EF4-FFF2-40B4-BE49-F238E27FC236}">
+                <a16:creationId xmlns:a16="http://schemas.microsoft.com/office/drawing/2014/main" id="{CC7E14C9-52F1-A297-AF9D-119CE1CFCFB0}"/>
+              </a:ext>
+            </a:extLst>
+          </p:cNvPr>
+          <p:cNvSpPr/>
+          <p:nvPr/>
+        </p:nvSpPr>
+        <p:spPr>
+          <a:xfrm>
+            <a:off x="4416425" y="1188718"/>
+            <a:ext cx="1136650" cy="262128"/>
+          </a:xfrm>
+          <a:prstGeom prst="rect">
+            <a:avLst/>
+          </a:prstGeom>
+        </p:spPr>
+        <p:style>
+          <a:lnRef idx="2">
+            <a:schemeClr val="accent5">
+              <a:shade val="50000"/>
+            </a:schemeClr>
+          </a:lnRef>
+          <a:fillRef idx="1">
+            <a:schemeClr val="accent5"/>
+          </a:fillRef>
+          <a:effectRef idx="0">
+            <a:schemeClr val="accent5"/>
+          </a:effectRef>
+          <a:fontRef idx="minor">
+            <a:schemeClr val="lt1"/>
+          </a:fontRef>
+        </p:style>
+        <p:txBody>
+          <a:bodyPr rtlCol="0" anchor="ctr"/>
+          <a:lstStyle/>
+          <a:p>
+            <a:pPr algn="ctr"/>
+            <a:r>
+              <a:rPr lang="zh-CN" altLang="en-US" dirty="0"/>
+              <a:t>其他</a:t>
+            </a:r>
+          </a:p>
+        </p:txBody>
+      </p:sp>
+      <p:cxnSp>
+        <p:nvCxnSpPr>
+          <p:cNvPr id="22" name="直接连接符 21">
+            <a:extLst>
+              <a:ext uri="{FF2B5EF4-FFF2-40B4-BE49-F238E27FC236}">
+                <a16:creationId xmlns:a16="http://schemas.microsoft.com/office/drawing/2014/main" id="{DB530F08-7667-6B46-E5DC-66C6671AD8C1}"/>
+              </a:ext>
+            </a:extLst>
+          </p:cNvPr>
+          <p:cNvCxnSpPr>
+            <a:stCxn id="20" idx="3"/>
+            <a:endCxn id="3" idx="1"/>
+          </p:cNvCxnSpPr>
+          <p:nvPr/>
+        </p:nvCxnSpPr>
+        <p:spPr>
+          <a:xfrm flipV="1">
+            <a:off x="5553075" y="1315143"/>
+            <a:ext cx="258761" cy="4639"/>
+          </a:xfrm>
+          <a:prstGeom prst="line">
+            <a:avLst/>
+          </a:prstGeom>
+        </p:spPr>
+        <p:style>
+          <a:lnRef idx="1">
+            <a:schemeClr val="accent5"/>
+          </a:lnRef>
+          <a:fillRef idx="0">
+            <a:schemeClr val="accent5"/>
+          </a:fillRef>
+          <a:effectRef idx="0">
+            <a:schemeClr val="accent5"/>
+          </a:effectRef>
+          <a:fontRef idx="minor">
+            <a:schemeClr val="tx1"/>
+          </a:fontRef>
+        </p:style>
+      </p:cxnSp>
+    </p:spTree>
+    <p:extLst>
+      <p:ext uri="{BB962C8B-B14F-4D97-AF65-F5344CB8AC3E}">
+        <p14:creationId xmlns:p14="http://schemas.microsoft.com/office/powerpoint/2010/main" val="3846577193"/>
+      </p:ext>
+    </p:extLst>
+  </p:cSld>
+  <p:clrMapOvr>
+    <a:masterClrMapping/>
+  </p:clrMapOvr>
+  <mc:AlternateContent xmlns:mc="http://schemas.openxmlformats.org/markup-compatibility/2006" xmlns:p159="http://schemas.microsoft.com/office/powerpoint/2015/09/main">
+    <mc:Choice Requires="p159">
+      <p:transition spd="slow" advClick="0">
+        <p159:morph option="byObject"/>
+      </p:transition>
+    </mc:Choice>
+    <mc:Fallback xmlns="">
+      <p:transition spd="slow" advClick="0">
         <p:fade/>
       </p:transition>
     </mc:Fallback>
